--- a/doc/Meetings/PHUSE-Template.pptx
+++ b/doc/Meetings/PHUSE-Template.pptx
@@ -227,7 +227,7 @@
           <a:p>
             <a:fld id="{39227D07-0534-3345-A1F3-0CA33196057F}" type="datetimeFigureOut">
               <a:rPr lang="en-US" smtClean="0"/>
-              <a:t>9/11/19</a:t>
+              <a:t>7/29/2020</a:t>
             </a:fld>
             <a:endParaRPr lang="en-US"/>
           </a:p>
